--- a/AAT Group 66 finalpresentation.pptx
+++ b/AAT Group 66 finalpresentation.pptx
@@ -6317,6 +6317,80 @@
             <a:r>
               <a:rPr lang="de-DE" dirty="0" err="1"/>
               <a:t>overview</a:t>
+            </a:r>
+            <a:endParaRPr lang="de-DE" dirty="0"/>
+          </a:p>
+          <a:p>
+            <a:pPr marL="519113" lvl="1" indent="-342900" fontAlgn="auto">
+              <a:lnSpc>
+                <a:spcPct val="150000"/>
+              </a:lnSpc>
+              <a:spcAft>
+                <a:spcPts val="0"/>
+              </a:spcAft>
+              <a:buFont typeface="Arial" charset="0"/>
+              <a:buChar char="•"/>
+              <a:defRPr/>
+            </a:pPr>
+            <a:r>
+              <a:rPr lang="de-DE" dirty="0" err="1"/>
+              <a:t>Running</a:t>
+            </a:r>
+            <a:r>
+              <a:rPr lang="de-DE" dirty="0"/>
+              <a:t> </a:t>
+            </a:r>
+            <a:r>
+              <a:rPr lang="de-DE" dirty="0" err="1"/>
+              <a:t>the</a:t>
+            </a:r>
+            <a:r>
+              <a:rPr lang="de-DE" dirty="0"/>
+              <a:t> </a:t>
+            </a:r>
+            <a:r>
+              <a:rPr lang="de-DE" dirty="0" err="1"/>
+              <a:t>pi</a:t>
+            </a:r>
+            <a:r>
+              <a:rPr lang="de-DE" dirty="0"/>
+              <a:t> </a:t>
+            </a:r>
+            <a:r>
+              <a:rPr lang="de-DE" dirty="0" err="1"/>
+              <a:t>script</a:t>
+            </a:r>
+            <a:r>
+              <a:rPr lang="de-DE" dirty="0"/>
+              <a:t> </a:t>
+            </a:r>
+            <a:r>
+              <a:rPr lang="de-DE" dirty="0" err="1"/>
+              <a:t>for</a:t>
+            </a:r>
+            <a:r>
+              <a:rPr lang="de-DE" dirty="0"/>
+              <a:t> </a:t>
+            </a:r>
+            <a:r>
+              <a:rPr lang="de-DE" dirty="0" err="1"/>
+              <a:t>scanning</a:t>
+            </a:r>
+            <a:r>
+              <a:rPr lang="de-DE" dirty="0"/>
+              <a:t> </a:t>
+            </a:r>
+            <a:r>
+              <a:rPr lang="de-DE" dirty="0" err="1"/>
+              <a:t>the</a:t>
+            </a:r>
+            <a:r>
+              <a:rPr lang="de-DE" dirty="0"/>
+              <a:t> QR </a:t>
+            </a:r>
+            <a:r>
+              <a:rPr lang="de-DE" dirty="0" err="1"/>
+              <a:t>code</a:t>
             </a:r>
             <a:endParaRPr lang="de-DE" dirty="0"/>
           </a:p>
